--- a/circuits/Circuitry.pptx
+++ b/circuits/Circuitry.pptx
@@ -7,6 +7,8 @@
   <p:sldIdLst>
     <p:sldId id="256" r:id="rId2"/>
     <p:sldId id="257" r:id="rId3"/>
+    <p:sldId id="258" r:id="rId4"/>
+    <p:sldId id="259" r:id="rId5"/>
   </p:sldIdLst>
   <p:sldSz cx="12192000" cy="6858000"/>
   <p:notesSz cx="6858000" cy="9144000"/>
@@ -244,7 +246,7 @@
           <a:p>
             <a:fld id="{AB2F52A9-6A1F-4D98-A7C0-A43BD3D01BBA}" type="datetimeFigureOut">
               <a:rPr lang="en-AU" smtClean="0"/>
-              <a:t>9/11/2021</a:t>
+              <a:t>16/11/2021</a:t>
             </a:fld>
             <a:endParaRPr lang="en-AU"/>
           </a:p>
@@ -414,7 +416,7 @@
           <a:p>
             <a:fld id="{AB2F52A9-6A1F-4D98-A7C0-A43BD3D01BBA}" type="datetimeFigureOut">
               <a:rPr lang="en-AU" smtClean="0"/>
-              <a:t>9/11/2021</a:t>
+              <a:t>16/11/2021</a:t>
             </a:fld>
             <a:endParaRPr lang="en-AU"/>
           </a:p>
@@ -594,7 +596,7 @@
           <a:p>
             <a:fld id="{AB2F52A9-6A1F-4D98-A7C0-A43BD3D01BBA}" type="datetimeFigureOut">
               <a:rPr lang="en-AU" smtClean="0"/>
-              <a:t>9/11/2021</a:t>
+              <a:t>16/11/2021</a:t>
             </a:fld>
             <a:endParaRPr lang="en-AU"/>
           </a:p>
@@ -764,7 +766,7 @@
           <a:p>
             <a:fld id="{AB2F52A9-6A1F-4D98-A7C0-A43BD3D01BBA}" type="datetimeFigureOut">
               <a:rPr lang="en-AU" smtClean="0"/>
-              <a:t>9/11/2021</a:t>
+              <a:t>16/11/2021</a:t>
             </a:fld>
             <a:endParaRPr lang="en-AU"/>
           </a:p>
@@ -1010,7 +1012,7 @@
           <a:p>
             <a:fld id="{AB2F52A9-6A1F-4D98-A7C0-A43BD3D01BBA}" type="datetimeFigureOut">
               <a:rPr lang="en-AU" smtClean="0"/>
-              <a:t>9/11/2021</a:t>
+              <a:t>16/11/2021</a:t>
             </a:fld>
             <a:endParaRPr lang="en-AU"/>
           </a:p>
@@ -1242,7 +1244,7 @@
           <a:p>
             <a:fld id="{AB2F52A9-6A1F-4D98-A7C0-A43BD3D01BBA}" type="datetimeFigureOut">
               <a:rPr lang="en-AU" smtClean="0"/>
-              <a:t>9/11/2021</a:t>
+              <a:t>16/11/2021</a:t>
             </a:fld>
             <a:endParaRPr lang="en-AU"/>
           </a:p>
@@ -1609,7 +1611,7 @@
           <a:p>
             <a:fld id="{AB2F52A9-6A1F-4D98-A7C0-A43BD3D01BBA}" type="datetimeFigureOut">
               <a:rPr lang="en-AU" smtClean="0"/>
-              <a:t>9/11/2021</a:t>
+              <a:t>16/11/2021</a:t>
             </a:fld>
             <a:endParaRPr lang="en-AU"/>
           </a:p>
@@ -1727,7 +1729,7 @@
           <a:p>
             <a:fld id="{AB2F52A9-6A1F-4D98-A7C0-A43BD3D01BBA}" type="datetimeFigureOut">
               <a:rPr lang="en-AU" smtClean="0"/>
-              <a:t>9/11/2021</a:t>
+              <a:t>16/11/2021</a:t>
             </a:fld>
             <a:endParaRPr lang="en-AU"/>
           </a:p>
@@ -1822,7 +1824,7 @@
           <a:p>
             <a:fld id="{AB2F52A9-6A1F-4D98-A7C0-A43BD3D01BBA}" type="datetimeFigureOut">
               <a:rPr lang="en-AU" smtClean="0"/>
-              <a:t>9/11/2021</a:t>
+              <a:t>16/11/2021</a:t>
             </a:fld>
             <a:endParaRPr lang="en-AU"/>
           </a:p>
@@ -2099,7 +2101,7 @@
           <a:p>
             <a:fld id="{AB2F52A9-6A1F-4D98-A7C0-A43BD3D01BBA}" type="datetimeFigureOut">
               <a:rPr lang="en-AU" smtClean="0"/>
-              <a:t>9/11/2021</a:t>
+              <a:t>16/11/2021</a:t>
             </a:fld>
             <a:endParaRPr lang="en-AU"/>
           </a:p>
@@ -2352,7 +2354,7 @@
           <a:p>
             <a:fld id="{AB2F52A9-6A1F-4D98-A7C0-A43BD3D01BBA}" type="datetimeFigureOut">
               <a:rPr lang="en-AU" smtClean="0"/>
-              <a:t>9/11/2021</a:t>
+              <a:t>16/11/2021</a:t>
             </a:fld>
             <a:endParaRPr lang="en-AU"/>
           </a:p>
@@ -2565,7 +2567,7 @@
           <a:p>
             <a:fld id="{AB2F52A9-6A1F-4D98-A7C0-A43BD3D01BBA}" type="datetimeFigureOut">
               <a:rPr lang="en-AU" smtClean="0"/>
-              <a:t>9/11/2021</a:t>
+              <a:t>16/11/2021</a:t>
             </a:fld>
             <a:endParaRPr lang="en-AU"/>
           </a:p>
@@ -3008,11 +3010,7 @@
             <a:pPr algn="ctr"/>
             <a:r>
               <a:rPr lang="en-AU" dirty="0" smtClean="0"/>
-              <a:t>Thermal Regulator </a:t>
-            </a:r>
-            <a:r>
-              <a:rPr lang="en-AU" dirty="0" smtClean="0"/>
-              <a:t>board</a:t>
+              <a:t>Thermal Regulator board</a:t>
             </a:r>
           </a:p>
           <a:p>
@@ -4866,7 +4864,7 @@
         <p:spPr>
           <a:xfrm>
             <a:off x="662294" y="3000049"/>
-            <a:ext cx="2151615" cy="2031325"/>
+            <a:ext cx="2557495" cy="2031325"/>
           </a:xfrm>
           <a:prstGeom prst="rect">
             <a:avLst/>
@@ -4909,26 +4907,41 @@
               <a:rPr lang="en-AU" dirty="0" smtClean="0"/>
               <a:t>3=</a:t>
             </a:r>
+            <a:r>
+              <a:rPr lang="en-AU" dirty="0" err="1" smtClean="0"/>
+              <a:t>Surgetank</a:t>
+            </a:r>
+            <a:r>
+              <a:rPr lang="en-AU" dirty="0" smtClean="0"/>
+              <a:t> Level Switch</a:t>
+            </a:r>
+            <a:endParaRPr lang="en-AU" dirty="0" smtClean="0"/>
           </a:p>
           <a:p>
             <a:r>
               <a:rPr lang="en-AU" dirty="0" smtClean="0"/>
               <a:t>4=</a:t>
             </a:r>
-          </a:p>
-          <a:p>
+            <a:r>
+              <a:rPr lang="en-AU" dirty="0" err="1" smtClean="0"/>
+              <a:t>Onewire</a:t>
+            </a:r>
             <a:r>
               <a:rPr lang="en-AU" dirty="0" smtClean="0"/>
-              <a:t>5=</a:t>
-            </a:r>
-            <a:r>
-              <a:rPr lang="en-AU" dirty="0" err="1" smtClean="0"/>
-              <a:t>Overtemp</a:t>
-            </a:r>
+              <a:t> temp sensors</a:t>
+            </a:r>
+            <a:endParaRPr lang="en-AU" dirty="0" smtClean="0"/>
+          </a:p>
+          <a:p>
             <a:r>
               <a:rPr lang="en-AU" dirty="0" smtClean="0"/>
-              <a:t> sensor2</a:t>
-            </a:r>
+              <a:t>5</a:t>
+            </a:r>
+            <a:r>
+              <a:rPr lang="en-AU" dirty="0" smtClean="0"/>
+              <a:t>= NC</a:t>
+            </a:r>
+            <a:endParaRPr lang="en-AU" dirty="0" smtClean="0"/>
           </a:p>
           <a:p>
             <a:r>
@@ -4943,6 +4956,1961 @@
     <p:extLst>
       <p:ext uri="{BB962C8B-B14F-4D97-AF65-F5344CB8AC3E}">
         <p14:creationId xmlns:p14="http://schemas.microsoft.com/office/powerpoint/2010/main" val="1949521142"/>
+      </p:ext>
+    </p:extLst>
+  </p:cSld>
+  <p:clrMapOvr>
+    <a:masterClrMapping/>
+  </p:clrMapOvr>
+</p:sld>
+</file>
+
+<file path=ppt/slides/slide3.xml><?xml version="1.0" encoding="utf-8"?>
+<p:sld xmlns:a="http://schemas.openxmlformats.org/drawingml/2006/main" xmlns:r="http://schemas.openxmlformats.org/officeDocument/2006/relationships" xmlns:p="http://schemas.openxmlformats.org/presentationml/2006/main">
+  <p:cSld>
+    <p:spTree>
+      <p:nvGrpSpPr>
+        <p:cNvPr id="1" name=""/>
+        <p:cNvGrpSpPr/>
+        <p:nvPr/>
+      </p:nvGrpSpPr>
+      <p:grpSpPr>
+        <a:xfrm>
+          <a:off x="0" y="0"/>
+          <a:ext cx="0" cy="0"/>
+          <a:chOff x="0" y="0"/>
+          <a:chExt cx="0" cy="0"/>
+        </a:xfrm>
+      </p:grpSpPr>
+      <p:pic>
+        <p:nvPicPr>
+          <p:cNvPr id="1026" name="Picture 2" descr="https://components101.com/sites/default/files/component_pin/Arduino-Uno-Pin-Diagram.png"/>
+          <p:cNvPicPr>
+            <a:picLocks noChangeAspect="1" noChangeArrowheads="1"/>
+          </p:cNvPicPr>
+          <p:nvPr/>
+        </p:nvPicPr>
+        <p:blipFill rotWithShape="1">
+          <a:blip r:embed="rId2">
+            <a:extLst>
+              <a:ext uri="{28A0092B-C50C-407E-A947-70E740481C1C}">
+                <a14:useLocalDpi xmlns:a14="http://schemas.microsoft.com/office/drawing/2010/main" val="0"/>
+              </a:ext>
+            </a:extLst>
+          </a:blip>
+          <a:srcRect b="10457"/>
+          <a:stretch/>
+        </p:blipFill>
+        <p:spPr bwMode="auto">
+          <a:xfrm>
+            <a:off x="2769770" y="2438400"/>
+            <a:ext cx="4988770" cy="3777916"/>
+          </a:xfrm>
+          <a:prstGeom prst="rect">
+            <a:avLst/>
+          </a:prstGeom>
+          <a:noFill/>
+          <a:extLst>
+            <a:ext uri="{909E8E84-426E-40DD-AFC4-6F175D3DCCD1}">
+              <a14:hiddenFill xmlns:a14="http://schemas.microsoft.com/office/drawing/2010/main">
+                <a:solidFill>
+                  <a:srgbClr val="FFFFFF"/>
+                </a:solidFill>
+              </a14:hiddenFill>
+            </a:ext>
+          </a:extLst>
+        </p:spPr>
+      </p:pic>
+      <p:sp>
+        <p:nvSpPr>
+          <p:cNvPr id="4" name="TextBox 3"/>
+          <p:cNvSpPr txBox="1"/>
+          <p:nvPr/>
+        </p:nvSpPr>
+        <p:spPr>
+          <a:xfrm>
+            <a:off x="4620126" y="6216316"/>
+            <a:ext cx="1436675" cy="369332"/>
+          </a:xfrm>
+          <a:prstGeom prst="rect">
+            <a:avLst/>
+          </a:prstGeom>
+          <a:noFill/>
+        </p:spPr>
+        <p:txBody>
+          <a:bodyPr wrap="none" rtlCol="0">
+            <a:spAutoFit/>
+          </a:bodyPr>
+          <a:lstStyle/>
+          <a:p>
+            <a:r>
+              <a:rPr lang="en-AU" dirty="0" smtClean="0"/>
+              <a:t>Arduino UNO</a:t>
+            </a:r>
+            <a:endParaRPr lang="en-AU" dirty="0"/>
+          </a:p>
+        </p:txBody>
+      </p:sp>
+      <p:pic>
+        <p:nvPicPr>
+          <p:cNvPr id="5" name="Picture 4"/>
+          <p:cNvPicPr>
+            <a:picLocks noChangeAspect="1"/>
+          </p:cNvPicPr>
+          <p:nvPr/>
+        </p:nvPicPr>
+        <p:blipFill rotWithShape="1">
+          <a:blip r:embed="rId3"/>
+          <a:srcRect l="12704" r="2784"/>
+          <a:stretch/>
+        </p:blipFill>
+        <p:spPr>
+          <a:xfrm>
+            <a:off x="8715651" y="3591372"/>
+            <a:ext cx="738593" cy="304322"/>
+          </a:xfrm>
+          <a:prstGeom prst="rect">
+            <a:avLst/>
+          </a:prstGeom>
+        </p:spPr>
+      </p:pic>
+      <p:pic>
+        <p:nvPicPr>
+          <p:cNvPr id="6" name="Picture 5"/>
+          <p:cNvPicPr>
+            <a:picLocks noChangeAspect="1"/>
+          </p:cNvPicPr>
+          <p:nvPr/>
+        </p:nvPicPr>
+        <p:blipFill>
+          <a:blip r:embed="rId4"/>
+          <a:stretch>
+            <a:fillRect/>
+          </a:stretch>
+        </p:blipFill>
+        <p:spPr>
+          <a:xfrm flipH="1">
+            <a:off x="8336311" y="3549650"/>
+            <a:ext cx="379340" cy="327233"/>
+          </a:xfrm>
+          <a:prstGeom prst="rect">
+            <a:avLst/>
+          </a:prstGeom>
+        </p:spPr>
+      </p:pic>
+      <p:sp>
+        <p:nvSpPr>
+          <p:cNvPr id="7" name="Freeform 6"/>
+          <p:cNvSpPr/>
+          <p:nvPr/>
+        </p:nvSpPr>
+        <p:spPr>
+          <a:xfrm>
+            <a:off x="7734300" y="3746500"/>
+            <a:ext cx="615950" cy="133350"/>
+          </a:xfrm>
+          <a:custGeom>
+            <a:avLst/>
+            <a:gdLst>
+              <a:gd name="connsiteX0" fmla="*/ 0 w 615950"/>
+              <a:gd name="connsiteY0" fmla="*/ 133350 h 133350"/>
+              <a:gd name="connsiteX1" fmla="*/ 323850 w 615950"/>
+              <a:gd name="connsiteY1" fmla="*/ 133350 h 133350"/>
+              <a:gd name="connsiteX2" fmla="*/ 323850 w 615950"/>
+              <a:gd name="connsiteY2" fmla="*/ 0 h 133350"/>
+              <a:gd name="connsiteX3" fmla="*/ 615950 w 615950"/>
+              <a:gd name="connsiteY3" fmla="*/ 0 h 133350"/>
+            </a:gdLst>
+            <a:ahLst/>
+            <a:cxnLst>
+              <a:cxn ang="0">
+                <a:pos x="connsiteX0" y="connsiteY0"/>
+              </a:cxn>
+              <a:cxn ang="0">
+                <a:pos x="connsiteX1" y="connsiteY1"/>
+              </a:cxn>
+              <a:cxn ang="0">
+                <a:pos x="connsiteX2" y="connsiteY2"/>
+              </a:cxn>
+              <a:cxn ang="0">
+                <a:pos x="connsiteX3" y="connsiteY3"/>
+              </a:cxn>
+            </a:cxnLst>
+            <a:rect l="l" t="t" r="r" b="b"/>
+            <a:pathLst>
+              <a:path w="615950" h="133350">
+                <a:moveTo>
+                  <a:pt x="0" y="133350"/>
+                </a:moveTo>
+                <a:lnTo>
+                  <a:pt x="323850" y="133350"/>
+                </a:lnTo>
+                <a:lnTo>
+                  <a:pt x="323850" y="0"/>
+                </a:lnTo>
+                <a:lnTo>
+                  <a:pt x="615950" y="0"/>
+                </a:lnTo>
+              </a:path>
+            </a:pathLst>
+          </a:custGeom>
+          <a:noFill/>
+        </p:spPr>
+        <p:style>
+          <a:lnRef idx="2">
+            <a:schemeClr val="accent1">
+              <a:shade val="50000"/>
+            </a:schemeClr>
+          </a:lnRef>
+          <a:fillRef idx="1">
+            <a:schemeClr val="accent1"/>
+          </a:fillRef>
+          <a:effectRef idx="0">
+            <a:schemeClr val="accent1"/>
+          </a:effectRef>
+          <a:fontRef idx="minor">
+            <a:schemeClr val="lt1"/>
+          </a:fontRef>
+        </p:style>
+        <p:txBody>
+          <a:bodyPr rtlCol="0" anchor="ctr"/>
+          <a:lstStyle/>
+          <a:p>
+            <a:pPr algn="ctr"/>
+            <a:endParaRPr lang="en-AU"/>
+          </a:p>
+        </p:txBody>
+      </p:sp>
+      <p:sp>
+        <p:nvSpPr>
+          <p:cNvPr id="10" name="Freeform 9"/>
+          <p:cNvSpPr/>
+          <p:nvPr/>
+        </p:nvSpPr>
+        <p:spPr>
+          <a:xfrm>
+            <a:off x="7721600" y="3752850"/>
+            <a:ext cx="1866900" cy="234950"/>
+          </a:xfrm>
+          <a:custGeom>
+            <a:avLst/>
+            <a:gdLst>
+              <a:gd name="connsiteX0" fmla="*/ 0 w 1866900"/>
+              <a:gd name="connsiteY0" fmla="*/ 234950 h 234950"/>
+              <a:gd name="connsiteX1" fmla="*/ 1866900 w 1866900"/>
+              <a:gd name="connsiteY1" fmla="*/ 234950 h 234950"/>
+              <a:gd name="connsiteX2" fmla="*/ 1866900 w 1866900"/>
+              <a:gd name="connsiteY2" fmla="*/ 0 h 234950"/>
+              <a:gd name="connsiteX3" fmla="*/ 1733550 w 1866900"/>
+              <a:gd name="connsiteY3" fmla="*/ 0 h 234950"/>
+            </a:gdLst>
+            <a:ahLst/>
+            <a:cxnLst>
+              <a:cxn ang="0">
+                <a:pos x="connsiteX0" y="connsiteY0"/>
+              </a:cxn>
+              <a:cxn ang="0">
+                <a:pos x="connsiteX1" y="connsiteY1"/>
+              </a:cxn>
+              <a:cxn ang="0">
+                <a:pos x="connsiteX2" y="connsiteY2"/>
+              </a:cxn>
+              <a:cxn ang="0">
+                <a:pos x="connsiteX3" y="connsiteY3"/>
+              </a:cxn>
+            </a:cxnLst>
+            <a:rect l="l" t="t" r="r" b="b"/>
+            <a:pathLst>
+              <a:path w="1866900" h="234950">
+                <a:moveTo>
+                  <a:pt x="0" y="234950"/>
+                </a:moveTo>
+                <a:lnTo>
+                  <a:pt x="1866900" y="234950"/>
+                </a:lnTo>
+                <a:lnTo>
+                  <a:pt x="1866900" y="0"/>
+                </a:lnTo>
+                <a:lnTo>
+                  <a:pt x="1733550" y="0"/>
+                </a:lnTo>
+              </a:path>
+            </a:pathLst>
+          </a:custGeom>
+          <a:noFill/>
+        </p:spPr>
+        <p:style>
+          <a:lnRef idx="2">
+            <a:schemeClr val="accent1">
+              <a:shade val="50000"/>
+            </a:schemeClr>
+          </a:lnRef>
+          <a:fillRef idx="1">
+            <a:schemeClr val="accent1"/>
+          </a:fillRef>
+          <a:effectRef idx="0">
+            <a:schemeClr val="accent1"/>
+          </a:effectRef>
+          <a:fontRef idx="minor">
+            <a:schemeClr val="lt1"/>
+          </a:fontRef>
+        </p:style>
+        <p:txBody>
+          <a:bodyPr rtlCol="0" anchor="ctr"/>
+          <a:lstStyle/>
+          <a:p>
+            <a:pPr algn="ctr"/>
+            <a:endParaRPr lang="en-AU"/>
+          </a:p>
+        </p:txBody>
+      </p:sp>
+      <p:sp>
+        <p:nvSpPr>
+          <p:cNvPr id="11" name="TextBox 10"/>
+          <p:cNvSpPr txBox="1"/>
+          <p:nvPr/>
+        </p:nvSpPr>
+        <p:spPr>
+          <a:xfrm>
+            <a:off x="8826500" y="3321050"/>
+            <a:ext cx="535724" cy="369332"/>
+          </a:xfrm>
+          <a:prstGeom prst="rect">
+            <a:avLst/>
+          </a:prstGeom>
+          <a:noFill/>
+        </p:spPr>
+        <p:txBody>
+          <a:bodyPr wrap="none" rtlCol="0">
+            <a:spAutoFit/>
+          </a:bodyPr>
+          <a:lstStyle/>
+          <a:p>
+            <a:r>
+              <a:rPr lang="en-AU" dirty="0" smtClean="0"/>
+              <a:t>520</a:t>
+            </a:r>
+            <a:endParaRPr lang="en-AU" dirty="0"/>
+          </a:p>
+        </p:txBody>
+      </p:sp>
+      <p:sp>
+        <p:nvSpPr>
+          <p:cNvPr id="12" name="TextBox 11"/>
+          <p:cNvSpPr txBox="1"/>
+          <p:nvPr/>
+        </p:nvSpPr>
+        <p:spPr>
+          <a:xfrm>
+            <a:off x="8089930" y="2738294"/>
+            <a:ext cx="1167179" cy="646331"/>
+          </a:xfrm>
+          <a:prstGeom prst="rect">
+            <a:avLst/>
+          </a:prstGeom>
+          <a:noFill/>
+        </p:spPr>
+        <p:txBody>
+          <a:bodyPr wrap="none" rtlCol="0">
+            <a:spAutoFit/>
+          </a:bodyPr>
+          <a:lstStyle/>
+          <a:p>
+            <a:r>
+              <a:rPr lang="en-AU" dirty="0" smtClean="0"/>
+              <a:t>Status LED</a:t>
+            </a:r>
+          </a:p>
+          <a:p>
+            <a:r>
+              <a:rPr lang="en-AU" dirty="0" smtClean="0"/>
+              <a:t>on case</a:t>
+            </a:r>
+            <a:endParaRPr lang="en-AU" dirty="0"/>
+          </a:p>
+        </p:txBody>
+      </p:sp>
+      <p:cxnSp>
+        <p:nvCxnSpPr>
+          <p:cNvPr id="14" name="Straight Connector 13"/>
+          <p:cNvCxnSpPr/>
+          <p:nvPr/>
+        </p:nvCxnSpPr>
+        <p:spPr>
+          <a:xfrm>
+            <a:off x="7721600" y="5257800"/>
+            <a:ext cx="860425" cy="0"/>
+          </a:xfrm>
+          <a:prstGeom prst="line">
+            <a:avLst/>
+          </a:prstGeom>
+        </p:spPr>
+        <p:style>
+          <a:lnRef idx="1">
+            <a:schemeClr val="accent1"/>
+          </a:lnRef>
+          <a:fillRef idx="0">
+            <a:schemeClr val="accent1"/>
+          </a:fillRef>
+          <a:effectRef idx="0">
+            <a:schemeClr val="accent1"/>
+          </a:effectRef>
+          <a:fontRef idx="minor">
+            <a:schemeClr val="tx1"/>
+          </a:fontRef>
+        </p:style>
+      </p:cxnSp>
+      <p:sp>
+        <p:nvSpPr>
+          <p:cNvPr id="15" name="TextBox 14"/>
+          <p:cNvSpPr txBox="1"/>
+          <p:nvPr/>
+        </p:nvSpPr>
+        <p:spPr>
+          <a:xfrm>
+            <a:off x="8263676" y="5199270"/>
+            <a:ext cx="840295" cy="369332"/>
+          </a:xfrm>
+          <a:prstGeom prst="rect">
+            <a:avLst/>
+          </a:prstGeom>
+          <a:noFill/>
+        </p:spPr>
+        <p:txBody>
+          <a:bodyPr wrap="none" rtlCol="0">
+            <a:spAutoFit/>
+          </a:bodyPr>
+          <a:lstStyle/>
+          <a:p>
+            <a:r>
+              <a:rPr lang="en-AU" dirty="0" smtClean="0"/>
+              <a:t>plugA4</a:t>
+            </a:r>
+            <a:endParaRPr lang="en-AU" dirty="0"/>
+          </a:p>
+        </p:txBody>
+      </p:sp>
+      <p:cxnSp>
+        <p:nvCxnSpPr>
+          <p:cNvPr id="17" name="Straight Connector 16"/>
+          <p:cNvCxnSpPr/>
+          <p:nvPr/>
+        </p:nvCxnSpPr>
+        <p:spPr>
+          <a:xfrm>
+            <a:off x="7734300" y="4924425"/>
+            <a:ext cx="981351" cy="0"/>
+          </a:xfrm>
+          <a:prstGeom prst="line">
+            <a:avLst/>
+          </a:prstGeom>
+        </p:spPr>
+        <p:style>
+          <a:lnRef idx="1">
+            <a:schemeClr val="accent1"/>
+          </a:lnRef>
+          <a:fillRef idx="0">
+            <a:schemeClr val="accent1"/>
+          </a:fillRef>
+          <a:effectRef idx="0">
+            <a:schemeClr val="accent1"/>
+          </a:effectRef>
+          <a:fontRef idx="minor">
+            <a:schemeClr val="tx1"/>
+          </a:fontRef>
+        </p:style>
+      </p:cxnSp>
+      <p:pic>
+        <p:nvPicPr>
+          <p:cNvPr id="19" name="Picture 18"/>
+          <p:cNvPicPr>
+            <a:picLocks noChangeAspect="1"/>
+          </p:cNvPicPr>
+          <p:nvPr/>
+        </p:nvPicPr>
+        <p:blipFill rotWithShape="1">
+          <a:blip r:embed="rId3"/>
+          <a:srcRect l="12704" r="2784"/>
+          <a:stretch/>
+        </p:blipFill>
+        <p:spPr>
+          <a:xfrm>
+            <a:off x="8725065" y="4768812"/>
+            <a:ext cx="738593" cy="304322"/>
+          </a:xfrm>
+          <a:prstGeom prst="rect">
+            <a:avLst/>
+          </a:prstGeom>
+        </p:spPr>
+      </p:pic>
+      <p:sp>
+        <p:nvSpPr>
+          <p:cNvPr id="20" name="TextBox 19"/>
+          <p:cNvSpPr txBox="1"/>
+          <p:nvPr/>
+        </p:nvSpPr>
+        <p:spPr>
+          <a:xfrm>
+            <a:off x="8766234" y="4477642"/>
+            <a:ext cx="522900" cy="369332"/>
+          </a:xfrm>
+          <a:prstGeom prst="rect">
+            <a:avLst/>
+          </a:prstGeom>
+          <a:noFill/>
+        </p:spPr>
+        <p:txBody>
+          <a:bodyPr wrap="none" rtlCol="0">
+            <a:spAutoFit/>
+          </a:bodyPr>
+          <a:lstStyle/>
+          <a:p>
+            <a:r>
+              <a:rPr lang="en-AU" dirty="0" smtClean="0"/>
+              <a:t>3k3</a:t>
+            </a:r>
+            <a:endParaRPr lang="en-AU" dirty="0"/>
+          </a:p>
+        </p:txBody>
+      </p:sp>
+      <p:sp>
+        <p:nvSpPr>
+          <p:cNvPr id="21" name="TextBox 20"/>
+          <p:cNvSpPr txBox="1"/>
+          <p:nvPr/>
+        </p:nvSpPr>
+        <p:spPr>
+          <a:xfrm>
+            <a:off x="9723345" y="4703802"/>
+            <a:ext cx="840295" cy="369332"/>
+          </a:xfrm>
+          <a:prstGeom prst="rect">
+            <a:avLst/>
+          </a:prstGeom>
+          <a:noFill/>
+        </p:spPr>
+        <p:txBody>
+          <a:bodyPr wrap="none" rtlCol="0">
+            <a:spAutoFit/>
+          </a:bodyPr>
+          <a:lstStyle/>
+          <a:p>
+            <a:r>
+              <a:rPr lang="en-AU" dirty="0" smtClean="0"/>
+              <a:t>plugA3</a:t>
+            </a:r>
+            <a:endParaRPr lang="en-AU" dirty="0"/>
+          </a:p>
+        </p:txBody>
+      </p:sp>
+      <p:cxnSp>
+        <p:nvCxnSpPr>
+          <p:cNvPr id="24" name="Straight Connector 23"/>
+          <p:cNvCxnSpPr>
+            <a:stCxn id="19" idx="3"/>
+          </p:cNvCxnSpPr>
+          <p:nvPr/>
+        </p:nvCxnSpPr>
+        <p:spPr>
+          <a:xfrm>
+            <a:off x="9463658" y="4920973"/>
+            <a:ext cx="313768" cy="0"/>
+          </a:xfrm>
+          <a:prstGeom prst="line">
+            <a:avLst/>
+          </a:prstGeom>
+          <a:ln w="57150">
+            <a:solidFill>
+              <a:srgbClr val="00B050"/>
+            </a:solidFill>
+          </a:ln>
+        </p:spPr>
+        <p:style>
+          <a:lnRef idx="1">
+            <a:schemeClr val="accent1"/>
+          </a:lnRef>
+          <a:fillRef idx="0">
+            <a:schemeClr val="accent1"/>
+          </a:fillRef>
+          <a:effectRef idx="0">
+            <a:schemeClr val="accent1"/>
+          </a:effectRef>
+          <a:fontRef idx="minor">
+            <a:schemeClr val="tx1"/>
+          </a:fontRef>
+        </p:style>
+      </p:cxnSp>
+      <p:sp>
+        <p:nvSpPr>
+          <p:cNvPr id="27" name="Freeform 26"/>
+          <p:cNvSpPr/>
+          <p:nvPr/>
+        </p:nvSpPr>
+        <p:spPr>
+          <a:xfrm>
+            <a:off x="7740650" y="5143500"/>
+            <a:ext cx="2273300" cy="552450"/>
+          </a:xfrm>
+          <a:custGeom>
+            <a:avLst/>
+            <a:gdLst>
+              <a:gd name="connsiteX0" fmla="*/ 0 w 2273300"/>
+              <a:gd name="connsiteY0" fmla="*/ 0 h 552450"/>
+              <a:gd name="connsiteX1" fmla="*/ 1873250 w 2273300"/>
+              <a:gd name="connsiteY1" fmla="*/ 0 h 552450"/>
+              <a:gd name="connsiteX2" fmla="*/ 1873250 w 2273300"/>
+              <a:gd name="connsiteY2" fmla="*/ 552450 h 552450"/>
+              <a:gd name="connsiteX3" fmla="*/ 2273300 w 2273300"/>
+              <a:gd name="connsiteY3" fmla="*/ 552450 h 552450"/>
+            </a:gdLst>
+            <a:ahLst/>
+            <a:cxnLst>
+              <a:cxn ang="0">
+                <a:pos x="connsiteX0" y="connsiteY0"/>
+              </a:cxn>
+              <a:cxn ang="0">
+                <a:pos x="connsiteX1" y="connsiteY1"/>
+              </a:cxn>
+              <a:cxn ang="0">
+                <a:pos x="connsiteX2" y="connsiteY2"/>
+              </a:cxn>
+              <a:cxn ang="0">
+                <a:pos x="connsiteX3" y="connsiteY3"/>
+              </a:cxn>
+            </a:cxnLst>
+            <a:rect l="l" t="t" r="r" b="b"/>
+            <a:pathLst>
+              <a:path w="2273300" h="552450">
+                <a:moveTo>
+                  <a:pt x="0" y="0"/>
+                </a:moveTo>
+                <a:lnTo>
+                  <a:pt x="1873250" y="0"/>
+                </a:lnTo>
+                <a:lnTo>
+                  <a:pt x="1873250" y="552450"/>
+                </a:lnTo>
+                <a:lnTo>
+                  <a:pt x="2273300" y="552450"/>
+                </a:lnTo>
+              </a:path>
+            </a:pathLst>
+          </a:custGeom>
+          <a:noFill/>
+          <a:ln w="38100">
+            <a:solidFill>
+              <a:srgbClr val="0000FF"/>
+            </a:solidFill>
+            <a:tailEnd type="arrow"/>
+          </a:ln>
+        </p:spPr>
+        <p:style>
+          <a:lnRef idx="2">
+            <a:schemeClr val="accent1">
+              <a:shade val="50000"/>
+            </a:schemeClr>
+          </a:lnRef>
+          <a:fillRef idx="1">
+            <a:schemeClr val="accent1"/>
+          </a:fillRef>
+          <a:effectRef idx="0">
+            <a:schemeClr val="accent1"/>
+          </a:effectRef>
+          <a:fontRef idx="minor">
+            <a:schemeClr val="lt1"/>
+          </a:fontRef>
+        </p:style>
+        <p:txBody>
+          <a:bodyPr rtlCol="0" anchor="ctr"/>
+          <a:lstStyle/>
+          <a:p>
+            <a:pPr algn="ctr"/>
+            <a:endParaRPr lang="en-AU"/>
+          </a:p>
+        </p:txBody>
+      </p:sp>
+      <p:sp>
+        <p:nvSpPr>
+          <p:cNvPr id="30" name="TextBox 29"/>
+          <p:cNvSpPr txBox="1"/>
+          <p:nvPr/>
+        </p:nvSpPr>
+        <p:spPr>
+          <a:xfrm>
+            <a:off x="10046119" y="5511284"/>
+            <a:ext cx="1193725" cy="369332"/>
+          </a:xfrm>
+          <a:prstGeom prst="rect">
+            <a:avLst/>
+          </a:prstGeom>
+          <a:noFill/>
+        </p:spPr>
+        <p:txBody>
+          <a:bodyPr wrap="none" rtlCol="0">
+            <a:spAutoFit/>
+          </a:bodyPr>
+          <a:lstStyle/>
+          <a:p>
+            <a:r>
+              <a:rPr lang="en-AU" dirty="0" err="1" smtClean="0"/>
+              <a:t>relayboard</a:t>
+            </a:r>
+            <a:endParaRPr lang="en-AU" dirty="0"/>
+          </a:p>
+        </p:txBody>
+      </p:sp>
+      <p:sp>
+        <p:nvSpPr>
+          <p:cNvPr id="31" name="Freeform 30"/>
+          <p:cNvSpPr/>
+          <p:nvPr/>
+        </p:nvSpPr>
+        <p:spPr>
+          <a:xfrm>
+            <a:off x="2295525" y="3500438"/>
+            <a:ext cx="504825" cy="881062"/>
+          </a:xfrm>
+          <a:custGeom>
+            <a:avLst/>
+            <a:gdLst>
+              <a:gd name="connsiteX0" fmla="*/ 504825 w 504825"/>
+              <a:gd name="connsiteY0" fmla="*/ 881062 h 881062"/>
+              <a:gd name="connsiteX1" fmla="*/ 271463 w 504825"/>
+              <a:gd name="connsiteY1" fmla="*/ 876300 h 881062"/>
+              <a:gd name="connsiteX2" fmla="*/ 271463 w 504825"/>
+              <a:gd name="connsiteY2" fmla="*/ 0 h 881062"/>
+              <a:gd name="connsiteX3" fmla="*/ 0 w 504825"/>
+              <a:gd name="connsiteY3" fmla="*/ 0 h 881062"/>
+            </a:gdLst>
+            <a:ahLst/>
+            <a:cxnLst>
+              <a:cxn ang="0">
+                <a:pos x="connsiteX0" y="connsiteY0"/>
+              </a:cxn>
+              <a:cxn ang="0">
+                <a:pos x="connsiteX1" y="connsiteY1"/>
+              </a:cxn>
+              <a:cxn ang="0">
+                <a:pos x="connsiteX2" y="connsiteY2"/>
+              </a:cxn>
+              <a:cxn ang="0">
+                <a:pos x="connsiteX3" y="connsiteY3"/>
+              </a:cxn>
+            </a:cxnLst>
+            <a:rect l="l" t="t" r="r" b="b"/>
+            <a:pathLst>
+              <a:path w="504825" h="881062">
+                <a:moveTo>
+                  <a:pt x="504825" y="881062"/>
+                </a:moveTo>
+                <a:lnTo>
+                  <a:pt x="271463" y="876300"/>
+                </a:lnTo>
+                <a:lnTo>
+                  <a:pt x="271463" y="0"/>
+                </a:lnTo>
+                <a:lnTo>
+                  <a:pt x="0" y="0"/>
+                </a:lnTo>
+              </a:path>
+            </a:pathLst>
+          </a:custGeom>
+          <a:noFill/>
+          <a:ln>
+            <a:headEnd type="none"/>
+            <a:tailEnd type="arrow"/>
+          </a:ln>
+        </p:spPr>
+        <p:style>
+          <a:lnRef idx="2">
+            <a:schemeClr val="accent1">
+              <a:shade val="50000"/>
+            </a:schemeClr>
+          </a:lnRef>
+          <a:fillRef idx="1">
+            <a:schemeClr val="accent1"/>
+          </a:fillRef>
+          <a:effectRef idx="0">
+            <a:schemeClr val="accent1"/>
+          </a:effectRef>
+          <a:fontRef idx="minor">
+            <a:schemeClr val="lt1"/>
+          </a:fontRef>
+        </p:style>
+        <p:txBody>
+          <a:bodyPr rtlCol="0" anchor="ctr"/>
+          <a:lstStyle/>
+          <a:p>
+            <a:pPr algn="ctr"/>
+            <a:endParaRPr lang="en-AU"/>
+          </a:p>
+        </p:txBody>
+      </p:sp>
+      <p:sp>
+        <p:nvSpPr>
+          <p:cNvPr id="32" name="TextBox 31"/>
+          <p:cNvSpPr txBox="1"/>
+          <p:nvPr/>
+        </p:nvSpPr>
+        <p:spPr>
+          <a:xfrm>
+            <a:off x="1000291" y="3278653"/>
+            <a:ext cx="1345240" cy="369332"/>
+          </a:xfrm>
+          <a:prstGeom prst="rect">
+            <a:avLst/>
+          </a:prstGeom>
+          <a:noFill/>
+        </p:spPr>
+        <p:txBody>
+          <a:bodyPr wrap="none" rtlCol="0">
+            <a:spAutoFit/>
+          </a:bodyPr>
+          <a:lstStyle/>
+          <a:p>
+            <a:r>
+              <a:rPr lang="en-AU" dirty="0" smtClean="0"/>
+              <a:t>plugA1(+5V)</a:t>
+            </a:r>
+            <a:endParaRPr lang="en-AU" dirty="0"/>
+          </a:p>
+        </p:txBody>
+      </p:sp>
+      <p:sp>
+        <p:nvSpPr>
+          <p:cNvPr id="33" name="Freeform 32"/>
+          <p:cNvSpPr/>
+          <p:nvPr/>
+        </p:nvSpPr>
+        <p:spPr>
+          <a:xfrm>
+            <a:off x="2247900" y="3733800"/>
+            <a:ext cx="557213" cy="762000"/>
+          </a:xfrm>
+          <a:custGeom>
+            <a:avLst/>
+            <a:gdLst>
+              <a:gd name="connsiteX0" fmla="*/ 557213 w 557213"/>
+              <a:gd name="connsiteY0" fmla="*/ 762000 h 762000"/>
+              <a:gd name="connsiteX1" fmla="*/ 176213 w 557213"/>
+              <a:gd name="connsiteY1" fmla="*/ 762000 h 762000"/>
+              <a:gd name="connsiteX2" fmla="*/ 176213 w 557213"/>
+              <a:gd name="connsiteY2" fmla="*/ 0 h 762000"/>
+              <a:gd name="connsiteX3" fmla="*/ 0 w 557213"/>
+              <a:gd name="connsiteY3" fmla="*/ 0 h 762000"/>
+            </a:gdLst>
+            <a:ahLst/>
+            <a:cxnLst>
+              <a:cxn ang="0">
+                <a:pos x="connsiteX0" y="connsiteY0"/>
+              </a:cxn>
+              <a:cxn ang="0">
+                <a:pos x="connsiteX1" y="connsiteY1"/>
+              </a:cxn>
+              <a:cxn ang="0">
+                <a:pos x="connsiteX2" y="connsiteY2"/>
+              </a:cxn>
+              <a:cxn ang="0">
+                <a:pos x="connsiteX3" y="connsiteY3"/>
+              </a:cxn>
+            </a:cxnLst>
+            <a:rect l="l" t="t" r="r" b="b"/>
+            <a:pathLst>
+              <a:path w="557213" h="762000">
+                <a:moveTo>
+                  <a:pt x="557213" y="762000"/>
+                </a:moveTo>
+                <a:lnTo>
+                  <a:pt x="176213" y="762000"/>
+                </a:lnTo>
+                <a:lnTo>
+                  <a:pt x="176213" y="0"/>
+                </a:lnTo>
+                <a:lnTo>
+                  <a:pt x="0" y="0"/>
+                </a:lnTo>
+              </a:path>
+            </a:pathLst>
+          </a:custGeom>
+          <a:noFill/>
+        </p:spPr>
+        <p:style>
+          <a:lnRef idx="2">
+            <a:schemeClr val="accent1">
+              <a:shade val="50000"/>
+            </a:schemeClr>
+          </a:lnRef>
+          <a:fillRef idx="1">
+            <a:schemeClr val="accent1"/>
+          </a:fillRef>
+          <a:effectRef idx="0">
+            <a:schemeClr val="accent1"/>
+          </a:effectRef>
+          <a:fontRef idx="minor">
+            <a:schemeClr val="lt1"/>
+          </a:fontRef>
+        </p:style>
+        <p:txBody>
+          <a:bodyPr rtlCol="0" anchor="ctr"/>
+          <a:lstStyle/>
+          <a:p>
+            <a:pPr algn="ctr"/>
+            <a:endParaRPr lang="en-AU"/>
+          </a:p>
+        </p:txBody>
+      </p:sp>
+      <p:sp>
+        <p:nvSpPr>
+          <p:cNvPr id="34" name="Freeform 33"/>
+          <p:cNvSpPr/>
+          <p:nvPr/>
+        </p:nvSpPr>
+        <p:spPr>
+          <a:xfrm>
+            <a:off x="2009775" y="3986213"/>
+            <a:ext cx="785813" cy="619125"/>
+          </a:xfrm>
+          <a:custGeom>
+            <a:avLst/>
+            <a:gdLst>
+              <a:gd name="connsiteX0" fmla="*/ 785813 w 785813"/>
+              <a:gd name="connsiteY0" fmla="*/ 619125 h 619125"/>
+              <a:gd name="connsiteX1" fmla="*/ 257175 w 785813"/>
+              <a:gd name="connsiteY1" fmla="*/ 619125 h 619125"/>
+              <a:gd name="connsiteX2" fmla="*/ 257175 w 785813"/>
+              <a:gd name="connsiteY2" fmla="*/ 0 h 619125"/>
+              <a:gd name="connsiteX3" fmla="*/ 0 w 785813"/>
+              <a:gd name="connsiteY3" fmla="*/ 0 h 619125"/>
+            </a:gdLst>
+            <a:ahLst/>
+            <a:cxnLst>
+              <a:cxn ang="0">
+                <a:pos x="connsiteX0" y="connsiteY0"/>
+              </a:cxn>
+              <a:cxn ang="0">
+                <a:pos x="connsiteX1" y="connsiteY1"/>
+              </a:cxn>
+              <a:cxn ang="0">
+                <a:pos x="connsiteX2" y="connsiteY2"/>
+              </a:cxn>
+              <a:cxn ang="0">
+                <a:pos x="connsiteX3" y="connsiteY3"/>
+              </a:cxn>
+            </a:cxnLst>
+            <a:rect l="l" t="t" r="r" b="b"/>
+            <a:pathLst>
+              <a:path w="785813" h="619125">
+                <a:moveTo>
+                  <a:pt x="785813" y="619125"/>
+                </a:moveTo>
+                <a:lnTo>
+                  <a:pt x="257175" y="619125"/>
+                </a:lnTo>
+                <a:lnTo>
+                  <a:pt x="257175" y="0"/>
+                </a:lnTo>
+                <a:lnTo>
+                  <a:pt x="0" y="0"/>
+                </a:lnTo>
+              </a:path>
+            </a:pathLst>
+          </a:custGeom>
+          <a:noFill/>
+          <a:ln>
+            <a:headEnd type="arrow"/>
+          </a:ln>
+        </p:spPr>
+        <p:style>
+          <a:lnRef idx="2">
+            <a:schemeClr val="accent1">
+              <a:shade val="50000"/>
+            </a:schemeClr>
+          </a:lnRef>
+          <a:fillRef idx="1">
+            <a:schemeClr val="accent1"/>
+          </a:fillRef>
+          <a:effectRef idx="0">
+            <a:schemeClr val="accent1"/>
+          </a:effectRef>
+          <a:fontRef idx="minor">
+            <a:schemeClr val="lt1"/>
+          </a:fontRef>
+        </p:style>
+        <p:txBody>
+          <a:bodyPr rtlCol="0" anchor="ctr"/>
+          <a:lstStyle/>
+          <a:p>
+            <a:pPr algn="ctr"/>
+            <a:endParaRPr lang="en-AU"/>
+          </a:p>
+        </p:txBody>
+      </p:sp>
+      <p:sp>
+        <p:nvSpPr>
+          <p:cNvPr id="35" name="Freeform 34"/>
+          <p:cNvSpPr/>
+          <p:nvPr/>
+        </p:nvSpPr>
+        <p:spPr>
+          <a:xfrm>
+            <a:off x="1895475" y="4195763"/>
+            <a:ext cx="900113" cy="519112"/>
+          </a:xfrm>
+          <a:custGeom>
+            <a:avLst/>
+            <a:gdLst>
+              <a:gd name="connsiteX0" fmla="*/ 900113 w 900113"/>
+              <a:gd name="connsiteY0" fmla="*/ 519112 h 519112"/>
+              <a:gd name="connsiteX1" fmla="*/ 200025 w 900113"/>
+              <a:gd name="connsiteY1" fmla="*/ 519112 h 519112"/>
+              <a:gd name="connsiteX2" fmla="*/ 200025 w 900113"/>
+              <a:gd name="connsiteY2" fmla="*/ 0 h 519112"/>
+              <a:gd name="connsiteX3" fmla="*/ 0 w 900113"/>
+              <a:gd name="connsiteY3" fmla="*/ 0 h 519112"/>
+            </a:gdLst>
+            <a:ahLst/>
+            <a:cxnLst>
+              <a:cxn ang="0">
+                <a:pos x="connsiteX0" y="connsiteY0"/>
+              </a:cxn>
+              <a:cxn ang="0">
+                <a:pos x="connsiteX1" y="connsiteY1"/>
+              </a:cxn>
+              <a:cxn ang="0">
+                <a:pos x="connsiteX2" y="connsiteY2"/>
+              </a:cxn>
+              <a:cxn ang="0">
+                <a:pos x="connsiteX3" y="connsiteY3"/>
+              </a:cxn>
+            </a:cxnLst>
+            <a:rect l="l" t="t" r="r" b="b"/>
+            <a:pathLst>
+              <a:path w="900113" h="519112">
+                <a:moveTo>
+                  <a:pt x="900113" y="519112"/>
+                </a:moveTo>
+                <a:lnTo>
+                  <a:pt x="200025" y="519112"/>
+                </a:lnTo>
+                <a:lnTo>
+                  <a:pt x="200025" y="0"/>
+                </a:lnTo>
+                <a:lnTo>
+                  <a:pt x="0" y="0"/>
+                </a:lnTo>
+              </a:path>
+            </a:pathLst>
+          </a:custGeom>
+          <a:noFill/>
+          <a:ln>
+            <a:headEnd type="arrow"/>
+          </a:ln>
+        </p:spPr>
+        <p:style>
+          <a:lnRef idx="2">
+            <a:schemeClr val="accent1">
+              <a:shade val="50000"/>
+            </a:schemeClr>
+          </a:lnRef>
+          <a:fillRef idx="1">
+            <a:schemeClr val="accent1"/>
+          </a:fillRef>
+          <a:effectRef idx="0">
+            <a:schemeClr val="accent1"/>
+          </a:effectRef>
+          <a:fontRef idx="minor">
+            <a:schemeClr val="lt1"/>
+          </a:fontRef>
+        </p:style>
+        <p:txBody>
+          <a:bodyPr rtlCol="0" anchor="ctr"/>
+          <a:lstStyle/>
+          <a:p>
+            <a:pPr algn="ctr"/>
+            <a:endParaRPr lang="en-AU"/>
+          </a:p>
+        </p:txBody>
+      </p:sp>
+      <p:sp>
+        <p:nvSpPr>
+          <p:cNvPr id="38" name="Rectangle 37"/>
+          <p:cNvSpPr/>
+          <p:nvPr/>
+        </p:nvSpPr>
+        <p:spPr>
+          <a:xfrm>
+            <a:off x="4299737" y="328863"/>
+            <a:ext cx="2077452" cy="1427748"/>
+          </a:xfrm>
+          <a:prstGeom prst="rect">
+            <a:avLst/>
+          </a:prstGeom>
+        </p:spPr>
+        <p:style>
+          <a:lnRef idx="2">
+            <a:schemeClr val="accent1">
+              <a:shade val="50000"/>
+            </a:schemeClr>
+          </a:lnRef>
+          <a:fillRef idx="1">
+            <a:schemeClr val="accent1"/>
+          </a:fillRef>
+          <a:effectRef idx="0">
+            <a:schemeClr val="accent1"/>
+          </a:effectRef>
+          <a:fontRef idx="minor">
+            <a:schemeClr val="lt1"/>
+          </a:fontRef>
+        </p:style>
+        <p:txBody>
+          <a:bodyPr rtlCol="0" anchor="ctr"/>
+          <a:lstStyle/>
+          <a:p>
+            <a:pPr algn="ctr"/>
+            <a:r>
+              <a:rPr lang="en-AU" dirty="0" smtClean="0"/>
+              <a:t>Relay Board</a:t>
+            </a:r>
+            <a:endParaRPr lang="en-AU" dirty="0"/>
+          </a:p>
+        </p:txBody>
+      </p:sp>
+      <p:sp>
+        <p:nvSpPr>
+          <p:cNvPr id="37" name="Rectangle 36"/>
+          <p:cNvSpPr/>
+          <p:nvPr/>
+        </p:nvSpPr>
+        <p:spPr>
+          <a:xfrm>
+            <a:off x="3826042" y="385011"/>
+            <a:ext cx="473695" cy="192505"/>
+          </a:xfrm>
+          <a:prstGeom prst="rect">
+            <a:avLst/>
+          </a:prstGeom>
+        </p:spPr>
+        <p:style>
+          <a:lnRef idx="2">
+            <a:schemeClr val="accent1">
+              <a:shade val="50000"/>
+            </a:schemeClr>
+          </a:lnRef>
+          <a:fillRef idx="1">
+            <a:schemeClr val="accent1"/>
+          </a:fillRef>
+          <a:effectRef idx="0">
+            <a:schemeClr val="accent1"/>
+          </a:effectRef>
+          <a:fontRef idx="minor">
+            <a:schemeClr val="lt1"/>
+          </a:fontRef>
+        </p:style>
+        <p:txBody>
+          <a:bodyPr rtlCol="0" anchor="ctr"/>
+          <a:lstStyle/>
+          <a:p>
+            <a:pPr algn="ctr"/>
+            <a:endParaRPr lang="en-AU"/>
+          </a:p>
+        </p:txBody>
+      </p:sp>
+      <p:sp>
+        <p:nvSpPr>
+          <p:cNvPr id="39" name="TextBox 38"/>
+          <p:cNvSpPr txBox="1"/>
+          <p:nvPr/>
+        </p:nvSpPr>
+        <p:spPr>
+          <a:xfrm>
+            <a:off x="1743687" y="280737"/>
+            <a:ext cx="2052165" cy="369332"/>
+          </a:xfrm>
+          <a:prstGeom prst="rect">
+            <a:avLst/>
+          </a:prstGeom>
+          <a:noFill/>
+        </p:spPr>
+        <p:txBody>
+          <a:bodyPr wrap="none" rtlCol="0">
+            <a:spAutoFit/>
+          </a:bodyPr>
+          <a:lstStyle/>
+          <a:p>
+            <a:r>
+              <a:rPr lang="en-AU" dirty="0" smtClean="0"/>
+              <a:t>+12VDC </a:t>
+            </a:r>
+            <a:r>
+              <a:rPr lang="en-AU" dirty="0" err="1" smtClean="0"/>
+              <a:t>plugpack</a:t>
+            </a:r>
+            <a:r>
+              <a:rPr lang="en-AU" dirty="0" smtClean="0"/>
+              <a:t> in</a:t>
+            </a:r>
+            <a:endParaRPr lang="en-AU" dirty="0"/>
+          </a:p>
+        </p:txBody>
+      </p:sp>
+      <p:cxnSp>
+        <p:nvCxnSpPr>
+          <p:cNvPr id="41" name="Straight Arrow Connector 40"/>
+          <p:cNvCxnSpPr/>
+          <p:nvPr/>
+        </p:nvCxnSpPr>
+        <p:spPr>
+          <a:xfrm flipH="1">
+            <a:off x="3601453" y="1235242"/>
+            <a:ext cx="698284" cy="0"/>
+          </a:xfrm>
+          <a:prstGeom prst="straightConnector1">
+            <a:avLst/>
+          </a:prstGeom>
+          <a:ln>
+            <a:tailEnd type="triangle"/>
+          </a:ln>
+        </p:spPr>
+        <p:style>
+          <a:lnRef idx="1">
+            <a:schemeClr val="accent1"/>
+          </a:lnRef>
+          <a:fillRef idx="0">
+            <a:schemeClr val="accent1"/>
+          </a:fillRef>
+          <a:effectRef idx="0">
+            <a:schemeClr val="accent1"/>
+          </a:effectRef>
+          <a:fontRef idx="minor">
+            <a:schemeClr val="tx1"/>
+          </a:fontRef>
+        </p:style>
+      </p:cxnSp>
+      <p:sp>
+        <p:nvSpPr>
+          <p:cNvPr id="42" name="TextBox 41"/>
+          <p:cNvSpPr txBox="1"/>
+          <p:nvPr/>
+        </p:nvSpPr>
+        <p:spPr>
+          <a:xfrm>
+            <a:off x="3168321" y="962526"/>
+            <a:ext cx="433132" cy="369332"/>
+          </a:xfrm>
+          <a:prstGeom prst="rect">
+            <a:avLst/>
+          </a:prstGeom>
+          <a:noFill/>
+        </p:spPr>
+        <p:txBody>
+          <a:bodyPr wrap="none" rtlCol="0">
+            <a:spAutoFit/>
+          </a:bodyPr>
+          <a:lstStyle/>
+          <a:p>
+            <a:r>
+              <a:rPr lang="en-AU" dirty="0" smtClean="0"/>
+              <a:t>8V</a:t>
+            </a:r>
+            <a:endParaRPr lang="en-AU" dirty="0"/>
+          </a:p>
+        </p:txBody>
+      </p:sp>
+      <p:cxnSp>
+        <p:nvCxnSpPr>
+          <p:cNvPr id="44" name="Straight Arrow Connector 43"/>
+          <p:cNvCxnSpPr/>
+          <p:nvPr/>
+        </p:nvCxnSpPr>
+        <p:spPr>
+          <a:xfrm flipH="1">
+            <a:off x="3601453" y="1467853"/>
+            <a:ext cx="698284" cy="0"/>
+          </a:xfrm>
+          <a:prstGeom prst="straightConnector1">
+            <a:avLst/>
+          </a:prstGeom>
+          <a:ln>
+            <a:tailEnd type="triangle"/>
+          </a:ln>
+        </p:spPr>
+        <p:style>
+          <a:lnRef idx="1">
+            <a:schemeClr val="accent1"/>
+          </a:lnRef>
+          <a:fillRef idx="0">
+            <a:schemeClr val="accent1"/>
+          </a:fillRef>
+          <a:effectRef idx="0">
+            <a:schemeClr val="accent1"/>
+          </a:effectRef>
+          <a:fontRef idx="minor">
+            <a:schemeClr val="tx1"/>
+          </a:fontRef>
+        </p:style>
+      </p:cxnSp>
+      <p:sp>
+        <p:nvSpPr>
+          <p:cNvPr id="46" name="TextBox 45"/>
+          <p:cNvSpPr txBox="1"/>
+          <p:nvPr/>
+        </p:nvSpPr>
+        <p:spPr>
+          <a:xfrm>
+            <a:off x="3017166" y="1279903"/>
+            <a:ext cx="622286" cy="369332"/>
+          </a:xfrm>
+          <a:prstGeom prst="rect">
+            <a:avLst/>
+          </a:prstGeom>
+          <a:noFill/>
+        </p:spPr>
+        <p:txBody>
+          <a:bodyPr wrap="none" rtlCol="0">
+            <a:spAutoFit/>
+          </a:bodyPr>
+          <a:lstStyle/>
+          <a:p>
+            <a:r>
+              <a:rPr lang="en-AU" dirty="0" smtClean="0"/>
+              <a:t>GND</a:t>
+            </a:r>
+            <a:endParaRPr lang="en-AU" dirty="0"/>
+          </a:p>
+        </p:txBody>
+      </p:sp>
+      <p:sp>
+        <p:nvSpPr>
+          <p:cNvPr id="45" name="TextBox 44"/>
+          <p:cNvSpPr txBox="1"/>
+          <p:nvPr/>
+        </p:nvSpPr>
+        <p:spPr>
+          <a:xfrm>
+            <a:off x="542527" y="4104501"/>
+            <a:ext cx="1421608" cy="276999"/>
+          </a:xfrm>
+          <a:prstGeom prst="rect">
+            <a:avLst/>
+          </a:prstGeom>
+          <a:noFill/>
+        </p:spPr>
+        <p:txBody>
+          <a:bodyPr wrap="none" rtlCol="0">
+            <a:spAutoFit/>
+          </a:bodyPr>
+          <a:lstStyle/>
+          <a:p>
+            <a:r>
+              <a:rPr lang="en-AU" sz="1200" dirty="0" smtClean="0"/>
+              <a:t>8V from </a:t>
+            </a:r>
+            <a:r>
+              <a:rPr lang="en-AU" sz="1200" dirty="0" err="1" smtClean="0"/>
+              <a:t>Relayboard</a:t>
+            </a:r>
+            <a:endParaRPr lang="en-AU" sz="1200" dirty="0"/>
+          </a:p>
+        </p:txBody>
+      </p:sp>
+      <p:sp>
+        <p:nvSpPr>
+          <p:cNvPr id="48" name="TextBox 47"/>
+          <p:cNvSpPr txBox="1"/>
+          <p:nvPr/>
+        </p:nvSpPr>
+        <p:spPr>
+          <a:xfrm>
+            <a:off x="325667" y="3835010"/>
+            <a:ext cx="1708545" cy="276999"/>
+          </a:xfrm>
+          <a:prstGeom prst="rect">
+            <a:avLst/>
+          </a:prstGeom>
+          <a:noFill/>
+        </p:spPr>
+        <p:txBody>
+          <a:bodyPr wrap="none" rtlCol="0">
+            <a:spAutoFit/>
+          </a:bodyPr>
+          <a:lstStyle/>
+          <a:p>
+            <a:r>
+              <a:rPr lang="en-AU" sz="1200" dirty="0" smtClean="0"/>
+              <a:t>B=GND from </a:t>
+            </a:r>
+            <a:r>
+              <a:rPr lang="en-AU" sz="1200" dirty="0" err="1" smtClean="0"/>
+              <a:t>Relayboard</a:t>
+            </a:r>
+            <a:endParaRPr lang="en-AU" sz="1200" dirty="0"/>
+          </a:p>
+        </p:txBody>
+      </p:sp>
+      <p:sp>
+        <p:nvSpPr>
+          <p:cNvPr id="47" name="TextBox 46"/>
+          <p:cNvSpPr txBox="1"/>
+          <p:nvPr/>
+        </p:nvSpPr>
+        <p:spPr>
+          <a:xfrm>
+            <a:off x="946145" y="3558867"/>
+            <a:ext cx="1370888" cy="369332"/>
+          </a:xfrm>
+          <a:prstGeom prst="rect">
+            <a:avLst/>
+          </a:prstGeom>
+          <a:noFill/>
+        </p:spPr>
+        <p:txBody>
+          <a:bodyPr wrap="none" rtlCol="0">
+            <a:spAutoFit/>
+          </a:bodyPr>
+          <a:lstStyle/>
+          <a:p>
+            <a:r>
+              <a:rPr lang="en-AU" dirty="0" smtClean="0"/>
+              <a:t>plugA2(</a:t>
+            </a:r>
+            <a:r>
+              <a:rPr lang="en-AU" dirty="0" err="1" smtClean="0"/>
+              <a:t>Gnd</a:t>
+            </a:r>
+            <a:r>
+              <a:rPr lang="en-AU" dirty="0" smtClean="0"/>
+              <a:t>)</a:t>
+            </a:r>
+            <a:endParaRPr lang="en-AU" dirty="0"/>
+          </a:p>
+        </p:txBody>
+      </p:sp>
+      <p:sp>
+        <p:nvSpPr>
+          <p:cNvPr id="49" name="Rectangle 48"/>
+          <p:cNvSpPr/>
+          <p:nvPr/>
+        </p:nvSpPr>
+        <p:spPr>
+          <a:xfrm>
+            <a:off x="7579827" y="400428"/>
+            <a:ext cx="4017346" cy="1569660"/>
+          </a:xfrm>
+          <a:prstGeom prst="rect">
+            <a:avLst/>
+          </a:prstGeom>
+        </p:spPr>
+        <p:txBody>
+          <a:bodyPr wrap="square">
+            <a:spAutoFit/>
+          </a:bodyPr>
+          <a:lstStyle/>
+          <a:p>
+            <a:r>
+              <a:rPr lang="en-AU" sz="1200" dirty="0"/>
+              <a:t>#define DIGPIN_TEMP_PROBES_ONE_WIRE_BUS 2</a:t>
+            </a:r>
+          </a:p>
+          <a:p>
+            <a:r>
+              <a:rPr lang="en-AU" sz="1200" dirty="0"/>
+              <a:t>#define DIGPIN_PUMP 3</a:t>
+            </a:r>
+          </a:p>
+          <a:p>
+            <a:r>
+              <a:rPr lang="en-AU" sz="1200" dirty="0"/>
+              <a:t>#define DIGPIN_CHIPSELECT_SDCARD 4</a:t>
+            </a:r>
+          </a:p>
+          <a:p>
+            <a:r>
+              <a:rPr lang="en-AU" sz="1200" dirty="0"/>
+              <a:t>#define DIGPIN_SURGE_TANK_LEVEL 5 </a:t>
+            </a:r>
+          </a:p>
+          <a:p>
+            <a:r>
+              <a:rPr lang="en-AU" sz="1200" dirty="0"/>
+              <a:t>#define DIGPIN_CHIPSELECT_ETHERNET 10</a:t>
+            </a:r>
+          </a:p>
+          <a:p>
+            <a:r>
+              <a:rPr lang="en-AU" sz="1200" dirty="0"/>
+              <a:t>#define DIGPIN_STATUS_LED LED_BUILTIN   // expect 13</a:t>
+            </a:r>
+          </a:p>
+          <a:p>
+            <a:endParaRPr lang="en-AU" sz="1200" dirty="0"/>
+          </a:p>
+          <a:p>
+            <a:r>
+              <a:rPr lang="en-AU" sz="1200" dirty="0"/>
+              <a:t>#define ANLGPIN_SOLAR_INTENSITY_PIN A4</a:t>
+            </a:r>
+          </a:p>
+        </p:txBody>
+      </p:sp>
+      <p:pic>
+        <p:nvPicPr>
+          <p:cNvPr id="51" name="Picture 50"/>
+          <p:cNvPicPr>
+            <a:picLocks noChangeAspect="1"/>
+          </p:cNvPicPr>
+          <p:nvPr/>
+        </p:nvPicPr>
+        <p:blipFill rotWithShape="1">
+          <a:blip r:embed="rId3"/>
+          <a:srcRect l="12704" r="2784"/>
+          <a:stretch/>
+        </p:blipFill>
+        <p:spPr>
+          <a:xfrm rot="16035696">
+            <a:off x="1664916" y="5748264"/>
+            <a:ext cx="738593" cy="304322"/>
+          </a:xfrm>
+          <a:prstGeom prst="rect">
+            <a:avLst/>
+          </a:prstGeom>
+        </p:spPr>
+      </p:pic>
+      <p:sp>
+        <p:nvSpPr>
+          <p:cNvPr id="50" name="TextBox 49"/>
+          <p:cNvSpPr txBox="1"/>
+          <p:nvPr/>
+        </p:nvSpPr>
+        <p:spPr>
+          <a:xfrm>
+            <a:off x="1743687" y="6276569"/>
+            <a:ext cx="622286" cy="369332"/>
+          </a:xfrm>
+          <a:prstGeom prst="rect">
+            <a:avLst/>
+          </a:prstGeom>
+          <a:noFill/>
+        </p:spPr>
+        <p:txBody>
+          <a:bodyPr wrap="none" rtlCol="0">
+            <a:spAutoFit/>
+          </a:bodyPr>
+          <a:lstStyle/>
+          <a:p>
+            <a:r>
+              <a:rPr lang="en-AU" dirty="0" smtClean="0"/>
+              <a:t>GND</a:t>
+            </a:r>
+            <a:endParaRPr lang="en-AU" dirty="0"/>
+          </a:p>
+        </p:txBody>
+      </p:sp>
+      <p:sp>
+        <p:nvSpPr>
+          <p:cNvPr id="52" name="TextBox 51"/>
+          <p:cNvSpPr txBox="1"/>
+          <p:nvPr/>
+        </p:nvSpPr>
+        <p:spPr>
+          <a:xfrm>
+            <a:off x="2069943" y="5676900"/>
+            <a:ext cx="543739" cy="369332"/>
+          </a:xfrm>
+          <a:prstGeom prst="rect">
+            <a:avLst/>
+          </a:prstGeom>
+          <a:noFill/>
+        </p:spPr>
+        <p:txBody>
+          <a:bodyPr wrap="none" rtlCol="0">
+            <a:spAutoFit/>
+          </a:bodyPr>
+          <a:lstStyle/>
+          <a:p>
+            <a:r>
+              <a:rPr lang="en-AU" dirty="0" smtClean="0"/>
+              <a:t>7R2</a:t>
+            </a:r>
+            <a:endParaRPr lang="en-AU" dirty="0"/>
+          </a:p>
+        </p:txBody>
+      </p:sp>
+      <p:sp>
+        <p:nvSpPr>
+          <p:cNvPr id="53" name="Freeform 52"/>
+          <p:cNvSpPr/>
+          <p:nvPr/>
+        </p:nvSpPr>
+        <p:spPr>
+          <a:xfrm>
+            <a:off x="2028825" y="5362575"/>
+            <a:ext cx="781050" cy="219075"/>
+          </a:xfrm>
+          <a:custGeom>
+            <a:avLst/>
+            <a:gdLst>
+              <a:gd name="connsiteX0" fmla="*/ 781050 w 781050"/>
+              <a:gd name="connsiteY0" fmla="*/ 0 h 219075"/>
+              <a:gd name="connsiteX1" fmla="*/ 0 w 781050"/>
+              <a:gd name="connsiteY1" fmla="*/ 0 h 219075"/>
+              <a:gd name="connsiteX2" fmla="*/ 0 w 781050"/>
+              <a:gd name="connsiteY2" fmla="*/ 219075 h 219075"/>
+            </a:gdLst>
+            <a:ahLst/>
+            <a:cxnLst>
+              <a:cxn ang="0">
+                <a:pos x="connsiteX0" y="connsiteY0"/>
+              </a:cxn>
+              <a:cxn ang="0">
+                <a:pos x="connsiteX1" y="connsiteY1"/>
+              </a:cxn>
+              <a:cxn ang="0">
+                <a:pos x="connsiteX2" y="connsiteY2"/>
+              </a:cxn>
+            </a:cxnLst>
+            <a:rect l="l" t="t" r="r" b="b"/>
+            <a:pathLst>
+              <a:path w="781050" h="219075">
+                <a:moveTo>
+                  <a:pt x="781050" y="0"/>
+                </a:moveTo>
+                <a:lnTo>
+                  <a:pt x="0" y="0"/>
+                </a:lnTo>
+                <a:lnTo>
+                  <a:pt x="0" y="219075"/>
+                </a:lnTo>
+              </a:path>
+            </a:pathLst>
+          </a:custGeom>
+          <a:noFill/>
+        </p:spPr>
+        <p:style>
+          <a:lnRef idx="2">
+            <a:schemeClr val="accent1">
+              <a:shade val="50000"/>
+            </a:schemeClr>
+          </a:lnRef>
+          <a:fillRef idx="1">
+            <a:schemeClr val="accent1"/>
+          </a:fillRef>
+          <a:effectRef idx="0">
+            <a:schemeClr val="accent1"/>
+          </a:effectRef>
+          <a:fontRef idx="minor">
+            <a:schemeClr val="lt1"/>
+          </a:fontRef>
+        </p:style>
+        <p:txBody>
+          <a:bodyPr rtlCol="0" anchor="ctr"/>
+          <a:lstStyle/>
+          <a:p>
+            <a:pPr algn="ctr"/>
+            <a:endParaRPr lang="en-AU"/>
+          </a:p>
+        </p:txBody>
+      </p:sp>
+      <p:sp>
+        <p:nvSpPr>
+          <p:cNvPr id="56" name="Freeform 55"/>
+          <p:cNvSpPr/>
+          <p:nvPr/>
+        </p:nvSpPr>
+        <p:spPr>
+          <a:xfrm>
+            <a:off x="1397794" y="5357813"/>
+            <a:ext cx="631031" cy="0"/>
+          </a:xfrm>
+          <a:custGeom>
+            <a:avLst/>
+            <a:gdLst>
+              <a:gd name="connsiteX0" fmla="*/ 631031 w 631031"/>
+              <a:gd name="connsiteY0" fmla="*/ 0 h 0"/>
+              <a:gd name="connsiteX1" fmla="*/ 0 w 631031"/>
+              <a:gd name="connsiteY1" fmla="*/ 0 h 0"/>
+            </a:gdLst>
+            <a:ahLst/>
+            <a:cxnLst>
+              <a:cxn ang="0">
+                <a:pos x="connsiteX0" y="connsiteY0"/>
+              </a:cxn>
+              <a:cxn ang="0">
+                <a:pos x="connsiteX1" y="connsiteY1"/>
+              </a:cxn>
+            </a:cxnLst>
+            <a:rect l="l" t="t" r="r" b="b"/>
+            <a:pathLst>
+              <a:path w="631031">
+                <a:moveTo>
+                  <a:pt x="631031" y="0"/>
+                </a:moveTo>
+                <a:lnTo>
+                  <a:pt x="0" y="0"/>
+                </a:lnTo>
+              </a:path>
+            </a:pathLst>
+          </a:custGeom>
+          <a:noFill/>
+        </p:spPr>
+        <p:style>
+          <a:lnRef idx="2">
+            <a:schemeClr val="accent1">
+              <a:shade val="50000"/>
+            </a:schemeClr>
+          </a:lnRef>
+          <a:fillRef idx="1">
+            <a:schemeClr val="accent1"/>
+          </a:fillRef>
+          <a:effectRef idx="0">
+            <a:schemeClr val="accent1"/>
+          </a:effectRef>
+          <a:fontRef idx="minor">
+            <a:schemeClr val="lt1"/>
+          </a:fontRef>
+        </p:style>
+        <p:txBody>
+          <a:bodyPr rtlCol="0" anchor="ctr"/>
+          <a:lstStyle/>
+          <a:p>
+            <a:pPr algn="ctr"/>
+            <a:endParaRPr lang="en-AU"/>
+          </a:p>
+        </p:txBody>
+      </p:sp>
+      <p:sp>
+        <p:nvSpPr>
+          <p:cNvPr id="58" name="TextBox 57"/>
+          <p:cNvSpPr txBox="1"/>
+          <p:nvPr/>
+        </p:nvSpPr>
+        <p:spPr>
+          <a:xfrm>
+            <a:off x="273970" y="5034647"/>
+            <a:ext cx="1452642" cy="646331"/>
+          </a:xfrm>
+          <a:prstGeom prst="rect">
+            <a:avLst/>
+          </a:prstGeom>
+          <a:noFill/>
+        </p:spPr>
+        <p:txBody>
+          <a:bodyPr wrap="none" rtlCol="0">
+            <a:spAutoFit/>
+          </a:bodyPr>
+          <a:lstStyle/>
+          <a:p>
+            <a:pPr algn="ctr"/>
+            <a:r>
+              <a:rPr lang="en-AU" dirty="0" smtClean="0"/>
+              <a:t>plugB4</a:t>
+            </a:r>
+          </a:p>
+          <a:p>
+            <a:pPr algn="ctr"/>
+            <a:r>
+              <a:rPr lang="en-AU" dirty="0" smtClean="0"/>
+              <a:t>(solar sensor)</a:t>
+            </a:r>
+            <a:endParaRPr lang="en-AU" dirty="0"/>
+          </a:p>
+        </p:txBody>
+      </p:sp>
+      <p:cxnSp>
+        <p:nvCxnSpPr>
+          <p:cNvPr id="59" name="Straight Connector 58"/>
+          <p:cNvCxnSpPr/>
+          <p:nvPr/>
+        </p:nvCxnSpPr>
+        <p:spPr>
+          <a:xfrm>
+            <a:off x="5000625" y="1756611"/>
+            <a:ext cx="0" cy="348414"/>
+          </a:xfrm>
+          <a:prstGeom prst="line">
+            <a:avLst/>
+          </a:prstGeom>
+          <a:ln>
+            <a:headEnd type="arrow"/>
+          </a:ln>
+        </p:spPr>
+        <p:style>
+          <a:lnRef idx="1">
+            <a:schemeClr val="accent1"/>
+          </a:lnRef>
+          <a:fillRef idx="0">
+            <a:schemeClr val="accent1"/>
+          </a:fillRef>
+          <a:effectRef idx="0">
+            <a:schemeClr val="accent1"/>
+          </a:effectRef>
+          <a:fontRef idx="minor">
+            <a:schemeClr val="tx1"/>
+          </a:fontRef>
+        </p:style>
+      </p:cxnSp>
+      <p:sp>
+        <p:nvSpPr>
+          <p:cNvPr id="60" name="TextBox 59"/>
+          <p:cNvSpPr txBox="1"/>
+          <p:nvPr/>
+        </p:nvSpPr>
+        <p:spPr>
+          <a:xfrm>
+            <a:off x="3916515" y="2021123"/>
+            <a:ext cx="2460674" cy="369332"/>
+          </a:xfrm>
+          <a:prstGeom prst="rect">
+            <a:avLst/>
+          </a:prstGeom>
+          <a:noFill/>
+        </p:spPr>
+        <p:txBody>
+          <a:bodyPr wrap="none" rtlCol="0">
+            <a:spAutoFit/>
+          </a:bodyPr>
+          <a:lstStyle/>
+          <a:p>
+            <a:r>
+              <a:rPr lang="en-AU" dirty="0" smtClean="0"/>
+              <a:t>From pin3 pump control</a:t>
+            </a:r>
+            <a:endParaRPr lang="en-AU" dirty="0"/>
+          </a:p>
+        </p:txBody>
+      </p:sp>
+      <p:sp>
+        <p:nvSpPr>
+          <p:cNvPr id="61" name="Rectangle 60"/>
+          <p:cNvSpPr/>
+          <p:nvPr/>
+        </p:nvSpPr>
+        <p:spPr>
+          <a:xfrm>
+            <a:off x="10458450" y="2390455"/>
+            <a:ext cx="1138723" cy="771845"/>
+          </a:xfrm>
+          <a:prstGeom prst="rect">
+            <a:avLst/>
+          </a:prstGeom>
+        </p:spPr>
+        <p:style>
+          <a:lnRef idx="2">
+            <a:schemeClr val="accent1">
+              <a:shade val="50000"/>
+            </a:schemeClr>
+          </a:lnRef>
+          <a:fillRef idx="1">
+            <a:schemeClr val="accent1"/>
+          </a:fillRef>
+          <a:effectRef idx="0">
+            <a:schemeClr val="accent1"/>
+          </a:effectRef>
+          <a:fontRef idx="minor">
+            <a:schemeClr val="lt1"/>
+          </a:fontRef>
+        </p:style>
+        <p:txBody>
+          <a:bodyPr rtlCol="0" anchor="ctr"/>
+          <a:lstStyle/>
+          <a:p>
+            <a:pPr algn="ctr"/>
+            <a:r>
+              <a:rPr lang="en-AU" dirty="0" err="1" smtClean="0"/>
+              <a:t>Realtime</a:t>
+            </a:r>
+            <a:r>
+              <a:rPr lang="en-AU" dirty="0" smtClean="0"/>
+              <a:t> clock</a:t>
+            </a:r>
+            <a:endParaRPr lang="en-AU" dirty="0"/>
+          </a:p>
+        </p:txBody>
+      </p:sp>
+      <p:sp>
+        <p:nvSpPr>
+          <p:cNvPr id="63" name="Rectangle 62"/>
+          <p:cNvSpPr/>
+          <p:nvPr/>
+        </p:nvSpPr>
+        <p:spPr>
+          <a:xfrm>
+            <a:off x="10592559" y="3657510"/>
+            <a:ext cx="1138723" cy="771845"/>
+          </a:xfrm>
+          <a:prstGeom prst="rect">
+            <a:avLst/>
+          </a:prstGeom>
+        </p:spPr>
+        <p:style>
+          <a:lnRef idx="2">
+            <a:schemeClr val="accent1">
+              <a:shade val="50000"/>
+            </a:schemeClr>
+          </a:lnRef>
+          <a:fillRef idx="1">
+            <a:schemeClr val="accent1"/>
+          </a:fillRef>
+          <a:effectRef idx="0">
+            <a:schemeClr val="accent1"/>
+          </a:effectRef>
+          <a:fontRef idx="minor">
+            <a:schemeClr val="lt1"/>
+          </a:fontRef>
+        </p:style>
+        <p:txBody>
+          <a:bodyPr rtlCol="0" anchor="ctr"/>
+          <a:lstStyle/>
+          <a:p>
+            <a:pPr algn="ctr"/>
+            <a:r>
+              <a:rPr lang="en-AU" dirty="0" smtClean="0"/>
+              <a:t>Ethernet</a:t>
+            </a:r>
+          </a:p>
+          <a:p>
+            <a:pPr algn="ctr"/>
+            <a:r>
+              <a:rPr lang="en-AU" dirty="0" smtClean="0"/>
+              <a:t>Shield</a:t>
+            </a:r>
+            <a:endParaRPr lang="en-AU" dirty="0"/>
+          </a:p>
+        </p:txBody>
+      </p:sp>
+    </p:spTree>
+    <p:extLst>
+      <p:ext uri="{BB962C8B-B14F-4D97-AF65-F5344CB8AC3E}">
+        <p14:creationId xmlns:p14="http://schemas.microsoft.com/office/powerpoint/2010/main" val="3044826966"/>
+      </p:ext>
+    </p:extLst>
+  </p:cSld>
+  <p:clrMapOvr>
+    <a:masterClrMapping/>
+  </p:clrMapOvr>
+</p:sld>
+</file>
+
+<file path=ppt/slides/slide4.xml><?xml version="1.0" encoding="utf-8"?>
+<p:sld xmlns:a="http://schemas.openxmlformats.org/drawingml/2006/main" xmlns:r="http://schemas.openxmlformats.org/officeDocument/2006/relationships" xmlns:p="http://schemas.openxmlformats.org/presentationml/2006/main">
+  <p:cSld>
+    <p:spTree>
+      <p:nvGrpSpPr>
+        <p:cNvPr id="1" name=""/>
+        <p:cNvGrpSpPr/>
+        <p:nvPr/>
+      </p:nvGrpSpPr>
+      <p:grpSpPr>
+        <a:xfrm>
+          <a:off x="0" y="0"/>
+          <a:ext cx="0" cy="0"/>
+          <a:chOff x="0" y="0"/>
+          <a:chExt cx="0" cy="0"/>
+        </a:xfrm>
+      </p:grpSpPr>
+    </p:spTree>
+    <p:extLst>
+      <p:ext uri="{BB962C8B-B14F-4D97-AF65-F5344CB8AC3E}">
+        <p14:creationId xmlns:p14="http://schemas.microsoft.com/office/powerpoint/2010/main" val="40511224"/>
       </p:ext>
     </p:extLst>
   </p:cSld>
